--- a/新建 Microsoft PowerPoint 演示文稿.pptx
+++ b/新建 Microsoft PowerPoint 演示文稿.pptx
@@ -243,7 +243,7 @@
           <a:p>
             <a:fld id="{ABFAE458-771B-4EA1-A4AB-85B4D62D9EE2}" type="datetimeFigureOut">
               <a:rPr lang="zh-CN" altLang="en-US" smtClean="0"/>
-              <a:t>2024/5/6</a:t>
+              <a:t>2024/5/20</a:t>
             </a:fld>
             <a:endParaRPr lang="zh-CN" altLang="en-US"/>
           </a:p>
@@ -413,7 +413,7 @@
           <a:p>
             <a:fld id="{ABFAE458-771B-4EA1-A4AB-85B4D62D9EE2}" type="datetimeFigureOut">
               <a:rPr lang="zh-CN" altLang="en-US" smtClean="0"/>
-              <a:t>2024/5/6</a:t>
+              <a:t>2024/5/20</a:t>
             </a:fld>
             <a:endParaRPr lang="zh-CN" altLang="en-US"/>
           </a:p>
@@ -593,7 +593,7 @@
           <a:p>
             <a:fld id="{ABFAE458-771B-4EA1-A4AB-85B4D62D9EE2}" type="datetimeFigureOut">
               <a:rPr lang="zh-CN" altLang="en-US" smtClean="0"/>
-              <a:t>2024/5/6</a:t>
+              <a:t>2024/5/20</a:t>
             </a:fld>
             <a:endParaRPr lang="zh-CN" altLang="en-US"/>
           </a:p>
@@ -763,7 +763,7 @@
           <a:p>
             <a:fld id="{ABFAE458-771B-4EA1-A4AB-85B4D62D9EE2}" type="datetimeFigureOut">
               <a:rPr lang="zh-CN" altLang="en-US" smtClean="0"/>
-              <a:t>2024/5/6</a:t>
+              <a:t>2024/5/20</a:t>
             </a:fld>
             <a:endParaRPr lang="zh-CN" altLang="en-US"/>
           </a:p>
@@ -1009,7 +1009,7 @@
           <a:p>
             <a:fld id="{ABFAE458-771B-4EA1-A4AB-85B4D62D9EE2}" type="datetimeFigureOut">
               <a:rPr lang="zh-CN" altLang="en-US" smtClean="0"/>
-              <a:t>2024/5/6</a:t>
+              <a:t>2024/5/20</a:t>
             </a:fld>
             <a:endParaRPr lang="zh-CN" altLang="en-US"/>
           </a:p>
@@ -1241,7 +1241,7 @@
           <a:p>
             <a:fld id="{ABFAE458-771B-4EA1-A4AB-85B4D62D9EE2}" type="datetimeFigureOut">
               <a:rPr lang="zh-CN" altLang="en-US" smtClean="0"/>
-              <a:t>2024/5/6</a:t>
+              <a:t>2024/5/20</a:t>
             </a:fld>
             <a:endParaRPr lang="zh-CN" altLang="en-US"/>
           </a:p>
@@ -1608,7 +1608,7 @@
           <a:p>
             <a:fld id="{ABFAE458-771B-4EA1-A4AB-85B4D62D9EE2}" type="datetimeFigureOut">
               <a:rPr lang="zh-CN" altLang="en-US" smtClean="0"/>
-              <a:t>2024/5/6</a:t>
+              <a:t>2024/5/20</a:t>
             </a:fld>
             <a:endParaRPr lang="zh-CN" altLang="en-US"/>
           </a:p>
@@ -1726,7 +1726,7 @@
           <a:p>
             <a:fld id="{ABFAE458-771B-4EA1-A4AB-85B4D62D9EE2}" type="datetimeFigureOut">
               <a:rPr lang="zh-CN" altLang="en-US" smtClean="0"/>
-              <a:t>2024/5/6</a:t>
+              <a:t>2024/5/20</a:t>
             </a:fld>
             <a:endParaRPr lang="zh-CN" altLang="en-US"/>
           </a:p>
@@ -1821,7 +1821,7 @@
           <a:p>
             <a:fld id="{ABFAE458-771B-4EA1-A4AB-85B4D62D9EE2}" type="datetimeFigureOut">
               <a:rPr lang="zh-CN" altLang="en-US" smtClean="0"/>
-              <a:t>2024/5/6</a:t>
+              <a:t>2024/5/20</a:t>
             </a:fld>
             <a:endParaRPr lang="zh-CN" altLang="en-US"/>
           </a:p>
@@ -2098,7 +2098,7 @@
           <a:p>
             <a:fld id="{ABFAE458-771B-4EA1-A4AB-85B4D62D9EE2}" type="datetimeFigureOut">
               <a:rPr lang="zh-CN" altLang="en-US" smtClean="0"/>
-              <a:t>2024/5/6</a:t>
+              <a:t>2024/5/20</a:t>
             </a:fld>
             <a:endParaRPr lang="zh-CN" altLang="en-US"/>
           </a:p>
@@ -2351,7 +2351,7 @@
           <a:p>
             <a:fld id="{ABFAE458-771B-4EA1-A4AB-85B4D62D9EE2}" type="datetimeFigureOut">
               <a:rPr lang="zh-CN" altLang="en-US" smtClean="0"/>
-              <a:t>2024/5/6</a:t>
+              <a:t>2024/5/20</a:t>
             </a:fld>
             <a:endParaRPr lang="zh-CN" altLang="en-US"/>
           </a:p>
@@ -2564,7 +2564,7 @@
           <a:p>
             <a:fld id="{ABFAE458-771B-4EA1-A4AB-85B4D62D9EE2}" type="datetimeFigureOut">
               <a:rPr lang="zh-CN" altLang="en-US" smtClean="0"/>
-              <a:t>2024/5/6</a:t>
+              <a:t>2024/5/20</a:t>
             </a:fld>
             <a:endParaRPr lang="zh-CN" altLang="en-US"/>
           </a:p>
@@ -3871,8 +3871,9 @@
           <a:p>
             <a:r>
               <a:rPr lang="en-US" altLang="zh-CN" dirty="0" smtClean="0"/>
-              <a:t>150</a:t>
-            </a:r>
+              <a:t>120</a:t>
+            </a:r>
+            <a:endParaRPr lang="en-US" altLang="zh-CN" dirty="0" smtClean="0"/>
           </a:p>
         </p:txBody>
       </p:sp>
@@ -3975,8 +3976,9 @@
           <a:p>
             <a:r>
               <a:rPr lang="en-US" altLang="zh-CN" dirty="0" smtClean="0"/>
-              <a:t>75</a:t>
-            </a:r>
+              <a:t>77</a:t>
+            </a:r>
+            <a:endParaRPr lang="en-US" altLang="zh-CN" dirty="0" smtClean="0"/>
           </a:p>
         </p:txBody>
       </p:sp>
@@ -4042,8 +4044,9 @@
           <a:p>
             <a:r>
               <a:rPr lang="en-US" altLang="zh-CN" dirty="0" smtClean="0"/>
-              <a:t>75</a:t>
-            </a:r>
+              <a:t>80</a:t>
+            </a:r>
+            <a:endParaRPr lang="en-US" altLang="zh-CN" dirty="0" smtClean="0"/>
           </a:p>
         </p:txBody>
       </p:sp>
@@ -4071,8 +4074,9 @@
           <a:p>
             <a:r>
               <a:rPr lang="en-US" altLang="zh-CN" dirty="0" smtClean="0"/>
-              <a:t>50</a:t>
-            </a:r>
+              <a:t>85</a:t>
+            </a:r>
+            <a:endParaRPr lang="en-US" altLang="zh-CN" dirty="0" smtClean="0"/>
           </a:p>
         </p:txBody>
       </p:sp>
@@ -4138,8 +4142,9 @@
           <a:p>
             <a:r>
               <a:rPr lang="en-US" altLang="zh-CN" dirty="0" smtClean="0"/>
-              <a:t>150</a:t>
-            </a:r>
+              <a:t>110</a:t>
+            </a:r>
+            <a:endParaRPr lang="en-US" altLang="zh-CN" dirty="0" smtClean="0"/>
           </a:p>
         </p:txBody>
       </p:sp>
@@ -4242,8 +4247,9 @@
           <a:p>
             <a:r>
               <a:rPr lang="en-US" altLang="zh-CN" dirty="0" smtClean="0"/>
-              <a:t>75</a:t>
-            </a:r>
+              <a:t>90</a:t>
+            </a:r>
+            <a:endParaRPr lang="en-US" altLang="zh-CN" dirty="0" smtClean="0"/>
           </a:p>
         </p:txBody>
       </p:sp>
